--- a/Summer Training Presentation.pptx
+++ b/Summer Training Presentation.pptx
@@ -123,7 +123,7 @@
   </p:defaultTextStyle>
   <p:extLst>
     <p:ext uri="{EFAFB233-063F-42B5-8137-9DF3F51BA10A}">
-      <p15:sldGuideLst xmlns:p15="http://schemas.microsoft.com/office/powerpoint/2012/main" xmlns=""/>
+      <p15:sldGuideLst xmlns="" xmlns:p15="http://schemas.microsoft.com/office/powerpoint/2012/main"/>
     </p:ext>
   </p:extLst>
 </p:presentation>
@@ -4193,7 +4193,7 @@
           <p:cNvPr id="2" name="Title 1">
             <a:extLst>
               <a:ext uri="{FF2B5EF4-FFF2-40B4-BE49-F238E27FC236}">
-                <a16:creationId xmlns:a16="http://schemas.microsoft.com/office/drawing/2014/main" xmlns="" id="{2A8A3E48-A3CF-4CF1-B5B4-9AFEAA24CC33}"/>
+                <a16:creationId xmlns="" xmlns:a16="http://schemas.microsoft.com/office/drawing/2014/main" id="{2A8A3E48-A3CF-4CF1-B5B4-9AFEAA24CC33}"/>
               </a:ext>
             </a:extLst>
           </p:cNvPr>
@@ -4371,23 +4371,7 @@
                   </a:outerShdw>
                 </a:effectLst>
               </a:rPr>
-              <a:t>(</a:t>
-            </a:r>
-            <a:r>
-              <a:rPr lang="en-US" sz="3600" dirty="0" smtClean="0">
-                <a:ln w="0"/>
-                <a:solidFill>
-                  <a:schemeClr val="accent1"/>
-                </a:solidFill>
-                <a:effectLst>
-                  <a:outerShdw blurRad="38100" dist="25400" dir="5400000" algn="ctr" rotWithShape="0">
-                    <a:srgbClr val="6E747A">
-                      <a:alpha val="43000"/>
-                    </a:srgbClr>
-                  </a:outerShdw>
-                </a:effectLst>
-              </a:rPr>
-              <a:t>Portfolio Website)</a:t>
+              <a:t>(Portfolio Website)</a:t>
             </a:r>
             <a:endParaRPr lang="en-IN" sz="5400" b="1" dirty="0"/>
           </a:p>
@@ -4398,7 +4382,7 @@
           <p:cNvPr id="3" name="Subtitle 2">
             <a:extLst>
               <a:ext uri="{FF2B5EF4-FFF2-40B4-BE49-F238E27FC236}">
-                <a16:creationId xmlns:a16="http://schemas.microsoft.com/office/drawing/2014/main" xmlns="" id="{7B652064-4DAE-44A2-BF82-EC3B04529F76}"/>
+                <a16:creationId xmlns="" xmlns:a16="http://schemas.microsoft.com/office/drawing/2014/main" id="{7B652064-4DAE-44A2-BF82-EC3B04529F76}"/>
               </a:ext>
             </a:extLst>
           </p:cNvPr>
@@ -4738,7 +4722,7 @@
           <p:cNvPr id="2050" name="Picture 1">
             <a:extLst>
               <a:ext uri="{FF2B5EF4-FFF2-40B4-BE49-F238E27FC236}">
-                <a16:creationId xmlns:a16="http://schemas.microsoft.com/office/drawing/2014/main" xmlns="" id="{5711446D-0927-4280-89A4-A2A1081D576A}"/>
+                <a16:creationId xmlns="" xmlns:a16="http://schemas.microsoft.com/office/drawing/2014/main" id="{5711446D-0927-4280-89A4-A2A1081D576A}"/>
               </a:ext>
             </a:extLst>
           </p:cNvPr>
@@ -4751,7 +4735,7 @@
           <a:blip r:embed="rId2">
             <a:extLst>
               <a:ext uri="{28A0092B-C50C-407E-A947-70E740481C1C}">
-                <a14:useLocalDpi xmlns:a14="http://schemas.microsoft.com/office/drawing/2010/main" xmlns="" val="0"/>
+                <a14:useLocalDpi xmlns="" xmlns:a14="http://schemas.microsoft.com/office/drawing/2010/main" val="0"/>
               </a:ext>
             </a:extLst>
           </a:blip>
@@ -4771,7 +4755,7 @@
           <a:noFill/>
           <a:extLst>
             <a:ext uri="{909E8E84-426E-40DD-AFC4-6F175D3DCCD1}">
-              <a14:hiddenFill xmlns:a14="http://schemas.microsoft.com/office/drawing/2010/main" xmlns="">
+              <a14:hiddenFill xmlns="" xmlns:a14="http://schemas.microsoft.com/office/drawing/2010/main">
                 <a:solidFill>
                   <a:srgbClr val="FFFFFF"/>
                 </a:solidFill>
@@ -4785,7 +4769,7 @@
           <p:cNvPr id="7" name="Text Box 16">
             <a:extLst>
               <a:ext uri="{FF2B5EF4-FFF2-40B4-BE49-F238E27FC236}">
-                <a16:creationId xmlns:a16="http://schemas.microsoft.com/office/drawing/2014/main" xmlns="" id="{B1BCBFFF-57CB-47AC-9764-9C6CB238FD56}"/>
+                <a16:creationId xmlns="" xmlns:a16="http://schemas.microsoft.com/office/drawing/2014/main" id="{B1BCBFFF-57CB-47AC-9764-9C6CB238FD56}"/>
               </a:ext>
             </a:extLst>
           </p:cNvPr>
@@ -4810,7 +4794,7 @@
           </a:ln>
           <a:extLst>
             <a:ext uri="{91240B29-F687-4F45-9708-019B960494DF}">
-              <a14:hiddenLine xmlns:a14="http://schemas.microsoft.com/office/drawing/2010/main" xmlns="" w="9525">
+              <a14:hiddenLine xmlns="" xmlns:a14="http://schemas.microsoft.com/office/drawing/2010/main" w="9525">
                 <a:solidFill>
                   <a:schemeClr val="tx1">
                     <a:lumMod val="100000"/>
@@ -4855,7 +4839,7 @@
           <p:cNvPr id="8" name="Rectangle 5">
             <a:extLst>
               <a:ext uri="{FF2B5EF4-FFF2-40B4-BE49-F238E27FC236}">
-                <a16:creationId xmlns:a16="http://schemas.microsoft.com/office/drawing/2014/main" xmlns="" id="{F6FF0D4C-5E52-4FFE-B0A2-2809A9ACE65C}"/>
+                <a16:creationId xmlns="" xmlns:a16="http://schemas.microsoft.com/office/drawing/2014/main" id="{F6FF0D4C-5E52-4FFE-B0A2-2809A9ACE65C}"/>
               </a:ext>
             </a:extLst>
           </p:cNvPr>
@@ -4879,14 +4863,14 @@
           <a:effectLst/>
           <a:extLst>
             <a:ext uri="{909E8E84-426E-40DD-AFC4-6F175D3DCCD1}">
-              <a14:hiddenFill xmlns:a14="http://schemas.microsoft.com/office/drawing/2010/main" xmlns="">
+              <a14:hiddenFill xmlns="" xmlns:a14="http://schemas.microsoft.com/office/drawing/2010/main">
                 <a:solidFill>
                   <a:schemeClr val="accent1"/>
                 </a:solidFill>
               </a14:hiddenFill>
             </a:ext>
             <a:ext uri="{91240B29-F687-4F45-9708-019B960494DF}">
-              <a14:hiddenLine xmlns:a14="http://schemas.microsoft.com/office/drawing/2010/main" xmlns="" w="9525">
+              <a14:hiddenLine xmlns="" xmlns:a14="http://schemas.microsoft.com/office/drawing/2010/main" w="9525">
                 <a:solidFill>
                   <a:schemeClr val="tx1"/>
                 </a:solidFill>
@@ -4896,7 +4880,7 @@
               </a14:hiddenLine>
             </a:ext>
             <a:ext uri="{AF507438-7753-43E0-B8FC-AC1667EBCBE1}">
-              <a14:hiddenEffects xmlns:a14="http://schemas.microsoft.com/office/drawing/2010/main" xmlns="">
+              <a14:hiddenEffects xmlns="" xmlns:a14="http://schemas.microsoft.com/office/drawing/2010/main">
                 <a:effectLst>
                   <a:outerShdw dist="35921" dir="2700000" algn="ctr" rotWithShape="0">
                     <a:schemeClr val="bg2"/>
@@ -4964,7 +4948,7 @@
           <p:cNvPr id="4" name="TextBox 3">
             <a:extLst>
               <a:ext uri="{FF2B5EF4-FFF2-40B4-BE49-F238E27FC236}">
-                <a16:creationId xmlns:a16="http://schemas.microsoft.com/office/drawing/2014/main" xmlns="" id="{0209E081-4CF9-4ADB-BBD3-615C215B709D}"/>
+                <a16:creationId xmlns="" xmlns:a16="http://schemas.microsoft.com/office/drawing/2014/main" id="{0209E081-4CF9-4ADB-BBD3-615C215B709D}"/>
               </a:ext>
             </a:extLst>
           </p:cNvPr>
@@ -5004,7 +4988,7 @@
           <p:cNvPr id="5" name="TextBox 4">
             <a:extLst>
               <a:ext uri="{FF2B5EF4-FFF2-40B4-BE49-F238E27FC236}">
-                <a16:creationId xmlns:a16="http://schemas.microsoft.com/office/drawing/2014/main" xmlns="" id="{E832EE11-39B8-4E22-9AC2-0D1B983E0FA1}"/>
+                <a16:creationId xmlns="" xmlns:a16="http://schemas.microsoft.com/office/drawing/2014/main" id="{E832EE11-39B8-4E22-9AC2-0D1B983E0FA1}"/>
               </a:ext>
             </a:extLst>
           </p:cNvPr>
@@ -5042,7 +5026,7 @@
     </p:spTree>
     <p:extLst>
       <p:ext uri="{BB962C8B-B14F-4D97-AF65-F5344CB8AC3E}">
-        <p14:creationId xmlns:p14="http://schemas.microsoft.com/office/powerpoint/2010/main" xmlns="" val="2013876538"/>
+        <p14:creationId xmlns="" xmlns:p14="http://schemas.microsoft.com/office/powerpoint/2010/main" val="2013876538"/>
       </p:ext>
     </p:extLst>
   </p:cSld>
@@ -5074,7 +5058,7 @@
           <p:cNvPr id="2" name="Title 1">
             <a:extLst>
               <a:ext uri="{FF2B5EF4-FFF2-40B4-BE49-F238E27FC236}">
-                <a16:creationId xmlns:a16="http://schemas.microsoft.com/office/drawing/2014/main" xmlns="" id="{3E81A108-85F7-4136-9E39-D60304EA0C6E}"/>
+                <a16:creationId xmlns="" xmlns:a16="http://schemas.microsoft.com/office/drawing/2014/main" id="{3E81A108-85F7-4136-9E39-D60304EA0C6E}"/>
               </a:ext>
             </a:extLst>
           </p:cNvPr>
@@ -5151,7 +5135,7 @@
     </p:spTree>
     <p:extLst>
       <p:ext uri="{BB962C8B-B14F-4D97-AF65-F5344CB8AC3E}">
-        <p14:creationId xmlns:p14="http://schemas.microsoft.com/office/powerpoint/2010/main" xmlns="" val="1666722509"/>
+        <p14:creationId xmlns="" xmlns:p14="http://schemas.microsoft.com/office/powerpoint/2010/main" val="1666722509"/>
       </p:ext>
     </p:extLst>
   </p:cSld>
@@ -5183,7 +5167,7 @@
           <p:cNvPr id="2" name="Title 1">
             <a:extLst>
               <a:ext uri="{FF2B5EF4-FFF2-40B4-BE49-F238E27FC236}">
-                <a16:creationId xmlns:a16="http://schemas.microsoft.com/office/drawing/2014/main" xmlns="" id="{C7FB2BC3-1D5A-4FA5-8B4A-09266115A795}"/>
+                <a16:creationId xmlns="" xmlns:a16="http://schemas.microsoft.com/office/drawing/2014/main" id="{C7FB2BC3-1D5A-4FA5-8B4A-09266115A795}"/>
               </a:ext>
             </a:extLst>
           </p:cNvPr>
@@ -5260,7 +5244,7 @@
     </p:spTree>
     <p:extLst>
       <p:ext uri="{BB962C8B-B14F-4D97-AF65-F5344CB8AC3E}">
-        <p14:creationId xmlns:p14="http://schemas.microsoft.com/office/powerpoint/2010/main" xmlns="" val="1063247280"/>
+        <p14:creationId xmlns="" xmlns:p14="http://schemas.microsoft.com/office/powerpoint/2010/main" val="1063247280"/>
       </p:ext>
     </p:extLst>
   </p:cSld>
@@ -5292,7 +5276,7 @@
           <p:cNvPr id="2" name="Title 1">
             <a:extLst>
               <a:ext uri="{FF2B5EF4-FFF2-40B4-BE49-F238E27FC236}">
-                <a16:creationId xmlns:a16="http://schemas.microsoft.com/office/drawing/2014/main" xmlns="" id="{18715821-CBB2-4367-8DE8-F80FD251D050}"/>
+                <a16:creationId xmlns="" xmlns:a16="http://schemas.microsoft.com/office/drawing/2014/main" id="{18715821-CBB2-4367-8DE8-F80FD251D050}"/>
               </a:ext>
             </a:extLst>
           </p:cNvPr>
@@ -5375,7 +5359,7 @@
     </p:spTree>
     <p:extLst>
       <p:ext uri="{BB962C8B-B14F-4D97-AF65-F5344CB8AC3E}">
-        <p14:creationId xmlns:p14="http://schemas.microsoft.com/office/powerpoint/2010/main" xmlns="" val="3648851970"/>
+        <p14:creationId xmlns="" xmlns:p14="http://schemas.microsoft.com/office/powerpoint/2010/main" val="3648851970"/>
       </p:ext>
     </p:extLst>
   </p:cSld>
@@ -5465,7 +5449,7 @@
     </p:spTree>
     <p:extLst>
       <p:ext uri="{BB962C8B-B14F-4D97-AF65-F5344CB8AC3E}">
-        <p14:creationId xmlns:p14="http://schemas.microsoft.com/office/powerpoint/2010/main" xmlns="" val="1990326859"/>
+        <p14:creationId xmlns="" xmlns:p14="http://schemas.microsoft.com/office/powerpoint/2010/main" val="1990326859"/>
       </p:ext>
     </p:extLst>
   </p:cSld>
@@ -5497,7 +5481,7 @@
           <p:cNvPr id="2" name="Title 1">
             <a:extLst>
               <a:ext uri="{FF2B5EF4-FFF2-40B4-BE49-F238E27FC236}">
-                <a16:creationId xmlns:a16="http://schemas.microsoft.com/office/drawing/2014/main" xmlns="" id="{20592093-0B71-4F98-8C23-27EBBCC0BFCE}"/>
+                <a16:creationId xmlns="" xmlns:a16="http://schemas.microsoft.com/office/drawing/2014/main" id="{20592093-0B71-4F98-8C23-27EBBCC0BFCE}"/>
               </a:ext>
             </a:extLst>
           </p:cNvPr>
@@ -5529,7 +5513,7 @@
               </a:spcAft>
             </a:pPr>
             <a:r>
-              <a:rPr lang="en-IN" sz="1800" b="1" dirty="0">
+              <a:rPr lang="en-IN" sz="2800" b="1" dirty="0">
                 <a:solidFill>
                   <a:srgbClr val="C00000"/>
                 </a:solidFill>
@@ -5541,7 +5525,7 @@
               <a:t>CONCLUSION</a:t>
             </a:r>
             <a:r>
-              <a:rPr lang="en-IN" sz="1800" dirty="0">
+              <a:rPr lang="en-IN" sz="2800" dirty="0">
                 <a:effectLst/>
                 <a:latin typeface="Calibri" panose="020F0502020204030204" pitchFamily="34" charset="0"/>
                 <a:ea typeface="Calibri" panose="020F0502020204030204" pitchFamily="34" charset="0"/>
@@ -5550,14 +5534,14 @@
               <a:t/>
             </a:r>
             <a:br>
-              <a:rPr lang="en-IN" sz="1800" dirty="0">
+              <a:rPr lang="en-IN" sz="2800" dirty="0">
                 <a:effectLst/>
                 <a:latin typeface="Calibri" panose="020F0502020204030204" pitchFamily="34" charset="0"/>
                 <a:ea typeface="Calibri" panose="020F0502020204030204" pitchFamily="34" charset="0"/>
                 <a:cs typeface="Times New Roman" panose="02020603050405020304" pitchFamily="18" charset="0"/>
               </a:rPr>
             </a:br>
-            <a:endParaRPr lang="en-IN" dirty="0"/>
+            <a:endParaRPr lang="en-IN" sz="2800" dirty="0"/>
           </a:p>
         </p:txBody>
       </p:sp>
@@ -5566,7 +5550,7 @@
           <p:cNvPr id="3" name="Content Placeholder 2">
             <a:extLst>
               <a:ext uri="{FF2B5EF4-FFF2-40B4-BE49-F238E27FC236}">
-                <a16:creationId xmlns:a16="http://schemas.microsoft.com/office/drawing/2014/main" xmlns="" id="{A4B3098C-12B6-4699-B20B-793FA45C1CC8}"/>
+                <a16:creationId xmlns="" xmlns:a16="http://schemas.microsoft.com/office/drawing/2014/main" id="{A4B3098C-12B6-4699-B20B-793FA45C1CC8}"/>
               </a:ext>
             </a:extLst>
           </p:cNvPr>
@@ -5590,7 +5574,7 @@
               </a:lnSpc>
             </a:pPr>
             <a:r>
-              <a:rPr lang="en-IN" sz="1800" dirty="0">
+              <a:rPr lang="en-IN" sz="2400" dirty="0">
                 <a:solidFill>
                   <a:srgbClr val="0070C0"/>
                 </a:solidFill>
@@ -5602,7 +5586,7 @@
               <a:t>The above implementation resulted in a basic  </a:t>
             </a:r>
             <a:r>
-              <a:rPr lang="en-IN" sz="1800" dirty="0" smtClean="0">
+              <a:rPr lang="en-IN" sz="2400" dirty="0" smtClean="0">
                 <a:solidFill>
                   <a:srgbClr val="0070C0"/>
                 </a:solidFill>
@@ -5613,7 +5597,7 @@
               <a:t>portfolio</a:t>
             </a:r>
             <a:r>
-              <a:rPr lang="en-IN" sz="1800" dirty="0" smtClean="0">
+              <a:rPr lang="en-IN" sz="2400" dirty="0" smtClean="0">
                 <a:solidFill>
                   <a:srgbClr val="0070C0"/>
                 </a:solidFill>
@@ -5625,7 +5609,7 @@
               <a:t> </a:t>
             </a:r>
             <a:r>
-              <a:rPr lang="en-IN" sz="1800" dirty="0">
+              <a:rPr lang="en-IN" sz="2400" dirty="0">
                 <a:solidFill>
                   <a:srgbClr val="0070C0"/>
                 </a:solidFill>
@@ -5637,7 +5621,7 @@
               <a:t>website </a:t>
             </a:r>
             <a:r>
-              <a:rPr lang="en-IN" sz="1800" dirty="0" smtClean="0">
+              <a:rPr lang="en-IN" sz="2400" dirty="0" smtClean="0">
                 <a:solidFill>
                   <a:srgbClr val="0070C0"/>
                 </a:solidFill>
@@ -5648,7 +5632,7 @@
               <a:t> which is compilation of</a:t>
             </a:r>
             <a:r>
-              <a:rPr lang="en-IN" sz="1800" dirty="0" smtClean="0">
+              <a:rPr lang="en-IN" sz="2400" dirty="0" smtClean="0">
                 <a:solidFill>
                   <a:srgbClr val="0070C0"/>
                 </a:solidFill>
@@ -5660,7 +5644,7 @@
               <a:t>  material </a:t>
             </a:r>
             <a:r>
-              <a:rPr lang="en-IN" sz="1800" dirty="0" smtClean="0">
+              <a:rPr lang="en-IN" sz="2400" dirty="0" smtClean="0">
                 <a:solidFill>
                   <a:srgbClr val="0070C0"/>
                 </a:solidFill>
@@ -5671,7 +5655,7 @@
               <a:t>that exemplifies</a:t>
             </a:r>
             <a:r>
-              <a:rPr lang="en-IN" sz="1800" dirty="0" smtClean="0">
+              <a:rPr lang="en-IN" sz="2400" dirty="0" smtClean="0">
                 <a:solidFill>
                   <a:srgbClr val="0070C0"/>
                 </a:solidFill>
@@ -5683,7 +5667,7 @@
               <a:t> </a:t>
             </a:r>
             <a:r>
-              <a:rPr lang="en-IN" sz="1800" dirty="0">
+              <a:rPr lang="en-IN" sz="2400" dirty="0">
                 <a:solidFill>
                   <a:srgbClr val="0070C0"/>
                 </a:solidFill>
@@ -5695,7 +5679,7 @@
               <a:t>user </a:t>
             </a:r>
             <a:r>
-              <a:rPr lang="en-IN" sz="1800" dirty="0" smtClean="0">
+              <a:rPr lang="en-IN" sz="2400" dirty="0" smtClean="0">
                 <a:solidFill>
                   <a:srgbClr val="0070C0"/>
                 </a:solidFill>
@@ -5705,7 +5689,7 @@
               </a:rPr>
               <a:t>skills, qualification, education.</a:t>
             </a:r>
-            <a:endParaRPr lang="en-IN" sz="1800" dirty="0">
+            <a:endParaRPr lang="en-IN" sz="2400" dirty="0">
               <a:solidFill>
                 <a:srgbClr val="0070C0"/>
               </a:solidFill>
@@ -5723,7 +5707,7 @@
               <a:buNone/>
             </a:pPr>
             <a:r>
-              <a:rPr lang="en-IN" sz="1800" dirty="0">
+              <a:rPr lang="en-IN" sz="2400" dirty="0">
                 <a:solidFill>
                   <a:srgbClr val="0070C0"/>
                 </a:solidFill>
@@ -5734,7 +5718,7 @@
               </a:rPr>
               <a:t> </a:t>
             </a:r>
-            <a:endParaRPr lang="en-IN" sz="1800" dirty="0" smtClean="0">
+            <a:endParaRPr lang="en-IN" sz="2400" dirty="0" smtClean="0">
               <a:solidFill>
                 <a:srgbClr val="0070C0"/>
               </a:solidFill>
@@ -5751,7 +5735,7 @@
               </a:lnSpc>
             </a:pPr>
             <a:r>
-              <a:rPr lang="en-IN" sz="1800" dirty="0" smtClean="0">
+              <a:rPr lang="en-IN" sz="2400" dirty="0" smtClean="0">
                 <a:solidFill>
                   <a:srgbClr val="0070C0"/>
                 </a:solidFill>
@@ -5763,7 +5747,7 @@
               <a:t>The </a:t>
             </a:r>
             <a:r>
-              <a:rPr lang="en-IN" sz="1800" dirty="0">
+              <a:rPr lang="en-IN" sz="2400" dirty="0">
                 <a:solidFill>
                   <a:srgbClr val="0070C0"/>
                 </a:solidFill>
@@ -5798,7 +5782,7 @@
     </p:spTree>
     <p:extLst>
       <p:ext uri="{BB962C8B-B14F-4D97-AF65-F5344CB8AC3E}">
-        <p14:creationId xmlns:p14="http://schemas.microsoft.com/office/powerpoint/2010/main" xmlns="" val="2940706412"/>
+        <p14:creationId xmlns="" xmlns:p14="http://schemas.microsoft.com/office/powerpoint/2010/main" val="2940706412"/>
       </p:ext>
     </p:extLst>
   </p:cSld>
@@ -5830,7 +5814,7 @@
           <p:cNvPr id="2" name="Title 1">
             <a:extLst>
               <a:ext uri="{FF2B5EF4-FFF2-40B4-BE49-F238E27FC236}">
-                <a16:creationId xmlns:a16="http://schemas.microsoft.com/office/drawing/2014/main" xmlns="" id="{81C5C465-BCF4-4243-BB17-37A0DF82DCB7}"/>
+                <a16:creationId xmlns="" xmlns:a16="http://schemas.microsoft.com/office/drawing/2014/main" id="{81C5C465-BCF4-4243-BB17-37A0DF82DCB7}"/>
               </a:ext>
             </a:extLst>
           </p:cNvPr>
@@ -5865,7 +5849,7 @@
               </a:tabLst>
             </a:pPr>
             <a:r>
-              <a:rPr lang="en-IN" sz="1800" b="1" dirty="0">
+              <a:rPr lang="en-IN" sz="2700" b="1" dirty="0">
                 <a:solidFill>
                   <a:srgbClr val="C00000"/>
                 </a:solidFill>
@@ -5877,7 +5861,7 @@
               <a:t>LIMITATIONS</a:t>
             </a:r>
             <a:r>
-              <a:rPr lang="en-IN" sz="1800" dirty="0">
+              <a:rPr lang="en-IN" sz="2700" dirty="0">
                 <a:effectLst/>
                 <a:latin typeface="Calibri" panose="020F0502020204030204" pitchFamily="34" charset="0"/>
                 <a:ea typeface="Calibri" panose="020F0502020204030204" pitchFamily="34" charset="0"/>
@@ -5886,7 +5870,7 @@
               <a:t/>
             </a:r>
             <a:br>
-              <a:rPr lang="en-IN" sz="1800" dirty="0">
+              <a:rPr lang="en-IN" sz="2700" dirty="0">
                 <a:effectLst/>
                 <a:latin typeface="Calibri" panose="020F0502020204030204" pitchFamily="34" charset="0"/>
                 <a:ea typeface="Calibri" panose="020F0502020204030204" pitchFamily="34" charset="0"/>
@@ -5928,7 +5912,7 @@
           <p:cNvPr id="3" name="Content Placeholder 2">
             <a:extLst>
               <a:ext uri="{FF2B5EF4-FFF2-40B4-BE49-F238E27FC236}">
-                <a16:creationId xmlns:a16="http://schemas.microsoft.com/office/drawing/2014/main" xmlns="" id="{DE5EB757-7CE5-43F9-AAC5-F2D6F512F0A3}"/>
+                <a16:creationId xmlns="" xmlns:a16="http://schemas.microsoft.com/office/drawing/2014/main" id="{DE5EB757-7CE5-43F9-AAC5-F2D6F512F0A3}"/>
               </a:ext>
             </a:extLst>
           </p:cNvPr>
@@ -5954,17 +5938,52 @@
               <a:buAutoNum type="arabicPeriod"/>
             </a:pPr>
             <a:r>
-              <a:rPr lang="en-IN" sz="1800" dirty="0">
-                <a:solidFill>
-                  <a:srgbClr val="0070C0"/>
-                </a:solidFill>
-                <a:effectLst/>
-                <a:latin typeface="Times New Roman" panose="02020603050405020304" pitchFamily="18" charset="0"/>
-                <a:ea typeface="Calibri" panose="020F0502020204030204" pitchFamily="34" charset="0"/>
-                <a:cs typeface="Times New Roman" panose="02020603050405020304" pitchFamily="18" charset="0"/>
-              </a:rPr>
-              <a:t>One of the most important limitations was the time period.</a:t>
-            </a:r>
+              <a:rPr lang="en-IN" sz="2400" dirty="0">
+                <a:solidFill>
+                  <a:srgbClr val="0070C0"/>
+                </a:solidFill>
+                <a:effectLst/>
+                <a:latin typeface="Times New Roman" panose="02020603050405020304" pitchFamily="18" charset="0"/>
+                <a:ea typeface="Calibri" panose="020F0502020204030204" pitchFamily="34" charset="0"/>
+                <a:cs typeface="Times New Roman" panose="02020603050405020304" pitchFamily="18" charset="0"/>
+              </a:rPr>
+              <a:t>One of the most important limitations was the time period</a:t>
+            </a:r>
+            <a:r>
+              <a:rPr lang="en-IN" sz="2400" dirty="0" smtClean="0">
+                <a:solidFill>
+                  <a:srgbClr val="0070C0"/>
+                </a:solidFill>
+                <a:effectLst/>
+                <a:latin typeface="Times New Roman" panose="02020603050405020304" pitchFamily="18" charset="0"/>
+                <a:ea typeface="Calibri" panose="020F0502020204030204" pitchFamily="34" charset="0"/>
+                <a:cs typeface="Times New Roman" panose="02020603050405020304" pitchFamily="18" charset="0"/>
+              </a:rPr>
+              <a:t>.</a:t>
+            </a:r>
+            <a:r>
+              <a:rPr lang="en-IN" sz="2400" dirty="0" smtClean="0"/>
+              <a:t> </a:t>
+            </a:r>
+            <a:r>
+              <a:rPr lang="en-IN" sz="2400" dirty="0" smtClean="0">
+                <a:solidFill>
+                  <a:srgbClr val="0070C0"/>
+                </a:solidFill>
+                <a:latin typeface="Times New Roman" pitchFamily="18" charset="0"/>
+                <a:cs typeface="Times New Roman" pitchFamily="18" charset="0"/>
+              </a:rPr>
+              <a:t>Due to limited duration of this course, some of the topics weren’t studied in detail.</a:t>
+            </a:r>
+            <a:endParaRPr lang="en-IN" sz="2400" dirty="0">
+              <a:solidFill>
+                <a:srgbClr val="0070C0"/>
+              </a:solidFill>
+              <a:effectLst/>
+              <a:latin typeface="Times New Roman" pitchFamily="18" charset="0"/>
+              <a:ea typeface="Calibri" panose="020F0502020204030204" pitchFamily="34" charset="0"/>
+              <a:cs typeface="Times New Roman" pitchFamily="18" charset="0"/>
+            </a:endParaRPr>
           </a:p>
           <a:p>
             <a:pPr marL="228600" indent="-228600">
@@ -5975,14 +5994,14 @@
               <a:buAutoNum type="arabicPeriod"/>
             </a:pPr>
             <a:r>
-              <a:rPr lang="en-IN" sz="1800" dirty="0">
-                <a:solidFill>
-                  <a:srgbClr val="0070C0"/>
-                </a:solidFill>
-                <a:effectLst/>
-                <a:latin typeface="Times New Roman" panose="02020603050405020304" pitchFamily="18" charset="0"/>
-                <a:ea typeface="Calibri" panose="020F0502020204030204" pitchFamily="34" charset="0"/>
-                <a:cs typeface="Times New Roman" panose="02020603050405020304" pitchFamily="18" charset="0"/>
+              <a:rPr lang="en-IN" sz="2400" dirty="0">
+                <a:solidFill>
+                  <a:srgbClr val="0070C0"/>
+                </a:solidFill>
+                <a:effectLst/>
+                <a:latin typeface="Times New Roman" pitchFamily="18" charset="0"/>
+                <a:ea typeface="Calibri" panose="020F0502020204030204" pitchFamily="34" charset="0"/>
+                <a:cs typeface="Times New Roman" pitchFamily="18" charset="0"/>
               </a:rPr>
               <a:t>It doesn’t actually consider all the points that are required in real for a website.</a:t>
             </a:r>
@@ -5996,7 +6015,7 @@
               <a:buAutoNum type="arabicPeriod"/>
             </a:pPr>
             <a:r>
-              <a:rPr lang="en-IN" sz="1800" dirty="0" smtClean="0">
+              <a:rPr lang="en-IN" sz="2400" dirty="0" smtClean="0">
                 <a:solidFill>
                   <a:srgbClr val="0070C0"/>
                 </a:solidFill>
@@ -6007,7 +6026,7 @@
               <a:t>Message</a:t>
             </a:r>
             <a:r>
-              <a:rPr lang="en-IN" sz="1800" dirty="0" smtClean="0">
+              <a:rPr lang="en-IN" sz="2400" dirty="0" smtClean="0">
                 <a:solidFill>
                   <a:srgbClr val="0070C0"/>
                 </a:solidFill>
@@ -6019,7 +6038,7 @@
               <a:t> </a:t>
             </a:r>
             <a:r>
-              <a:rPr lang="en-IN" sz="1800" dirty="0">
+              <a:rPr lang="en-IN" sz="2400" dirty="0">
                 <a:solidFill>
                   <a:srgbClr val="0070C0"/>
                 </a:solidFill>
@@ -6031,7 +6050,7 @@
               <a:t>option </a:t>
             </a:r>
             <a:r>
-              <a:rPr lang="en-IN" sz="1800" dirty="0" smtClean="0">
+              <a:rPr lang="en-IN" sz="2400" dirty="0" smtClean="0">
                 <a:solidFill>
                   <a:srgbClr val="0070C0"/>
                 </a:solidFill>
@@ -6043,7 +6062,7 @@
               <a:t>in contact section is </a:t>
             </a:r>
             <a:r>
-              <a:rPr lang="en-IN" sz="1800" dirty="0">
+              <a:rPr lang="en-IN" sz="2400" dirty="0">
                 <a:solidFill>
                   <a:srgbClr val="0070C0"/>
                 </a:solidFill>
@@ -6078,7 +6097,7 @@
     </p:spTree>
     <p:extLst>
       <p:ext uri="{BB962C8B-B14F-4D97-AF65-F5344CB8AC3E}">
-        <p14:creationId xmlns:p14="http://schemas.microsoft.com/office/powerpoint/2010/main" xmlns="" val="3068906241"/>
+        <p14:creationId xmlns="" xmlns:p14="http://schemas.microsoft.com/office/powerpoint/2010/main" val="3068906241"/>
       </p:ext>
     </p:extLst>
   </p:cSld>
@@ -6110,7 +6129,7 @@
           <p:cNvPr id="2" name="Title 1">
             <a:extLst>
               <a:ext uri="{FF2B5EF4-FFF2-40B4-BE49-F238E27FC236}">
-                <a16:creationId xmlns:a16="http://schemas.microsoft.com/office/drawing/2014/main" xmlns="" id="{33F27F7B-67AB-4D57-A776-3D132141A6EC}"/>
+                <a16:creationId xmlns="" xmlns:a16="http://schemas.microsoft.com/office/drawing/2014/main" id="{33F27F7B-67AB-4D57-A776-3D132141A6EC}"/>
               </a:ext>
             </a:extLst>
           </p:cNvPr>
@@ -6142,7 +6161,7 @@
               </a:spcAft>
             </a:pPr>
             <a:r>
-              <a:rPr lang="en-IN" sz="2000" b="1" dirty="0">
+              <a:rPr lang="en-IN" sz="3100" b="1" dirty="0">
                 <a:solidFill>
                   <a:srgbClr val="C00000"/>
                 </a:solidFill>
@@ -6154,7 +6173,7 @@
               <a:t>EXPERIENCE</a:t>
             </a:r>
             <a:r>
-              <a:rPr lang="en-IN" sz="1800" dirty="0">
+              <a:rPr lang="en-IN" sz="3100" dirty="0">
                 <a:effectLst/>
                 <a:latin typeface="Calibri" panose="020F0502020204030204" pitchFamily="34" charset="0"/>
                 <a:ea typeface="Calibri" panose="020F0502020204030204" pitchFamily="34" charset="0"/>
@@ -6163,7 +6182,7 @@
               <a:t/>
             </a:r>
             <a:br>
-              <a:rPr lang="en-IN" sz="1800" dirty="0">
+              <a:rPr lang="en-IN" sz="3100" dirty="0">
                 <a:effectLst/>
                 <a:latin typeface="Calibri" panose="020F0502020204030204" pitchFamily="34" charset="0"/>
                 <a:ea typeface="Calibri" panose="020F0502020204030204" pitchFamily="34" charset="0"/>
@@ -6205,7 +6224,7 @@
           <p:cNvPr id="3" name="Content Placeholder 2">
             <a:extLst>
               <a:ext uri="{FF2B5EF4-FFF2-40B4-BE49-F238E27FC236}">
-                <a16:creationId xmlns:a16="http://schemas.microsoft.com/office/drawing/2014/main" xmlns="" id="{BA6274B6-7566-41BF-BE0D-5E44D5A5486C}"/>
+                <a16:creationId xmlns="" xmlns:a16="http://schemas.microsoft.com/office/drawing/2014/main" id="{BA6274B6-7566-41BF-BE0D-5E44D5A5486C}"/>
               </a:ext>
             </a:extLst>
           </p:cNvPr>
@@ -6234,7 +6253,7 @@
               </a:lnSpc>
             </a:pPr>
             <a:r>
-              <a:rPr lang="en-IN" sz="1800" dirty="0">
+              <a:rPr lang="en-IN" sz="2400" dirty="0">
                 <a:solidFill>
                   <a:srgbClr val="0070C0"/>
                 </a:solidFill>
@@ -6253,7 +6272,7 @@
               </a:lnSpc>
             </a:pPr>
             <a:r>
-              <a:rPr lang="en-IN" sz="1800" dirty="0">
+              <a:rPr lang="en-IN" sz="2400" dirty="0">
                 <a:solidFill>
                   <a:srgbClr val="0070C0"/>
                 </a:solidFill>
@@ -6264,7 +6283,7 @@
               </a:rPr>
               <a:t>Although I found it a bit challenging but exploring this domain was equally amazing.  </a:t>
             </a:r>
-            <a:endParaRPr lang="en-IN" sz="1800" dirty="0">
+            <a:endParaRPr lang="en-IN" sz="2400" dirty="0">
               <a:solidFill>
                 <a:srgbClr val="0070C0"/>
               </a:solidFill>
@@ -6280,6 +6299,53 @@
               </a:lnSpc>
             </a:pPr>
             <a:r>
+              <a:rPr lang="en-IN" sz="2400" dirty="0">
+                <a:solidFill>
+                  <a:srgbClr val="0070C0"/>
+                </a:solidFill>
+                <a:effectLst/>
+                <a:latin typeface="Times New Roman" panose="02020603050405020304" pitchFamily="18" charset="0"/>
+                <a:ea typeface="Calibri" panose="020F0502020204030204" pitchFamily="34" charset="0"/>
+                <a:cs typeface="Times New Roman" panose="02020603050405020304" pitchFamily="18" charset="0"/>
+              </a:rPr>
+              <a:t>The experience of working on </a:t>
+            </a:r>
+            <a:r>
+              <a:rPr lang="en-IN" sz="2400" dirty="0" err="1" smtClean="0">
+                <a:solidFill>
+                  <a:srgbClr val="0070C0"/>
+                </a:solidFill>
+                <a:latin typeface="Times New Roman" panose="02020603050405020304" pitchFamily="18" charset="0"/>
+                <a:ea typeface="Calibri" panose="020F0502020204030204" pitchFamily="34" charset="0"/>
+                <a:cs typeface="Times New Roman" panose="02020603050405020304" pitchFamily="18" charset="0"/>
+              </a:rPr>
+              <a:t>Udemy</a:t>
+            </a:r>
+            <a:r>
+              <a:rPr lang="en-IN" sz="2400" dirty="0" smtClean="0">
+                <a:solidFill>
+                  <a:srgbClr val="0070C0"/>
+                </a:solidFill>
+                <a:effectLst/>
+                <a:latin typeface="Times New Roman" panose="02020603050405020304" pitchFamily="18" charset="0"/>
+                <a:ea typeface="Calibri" panose="020F0502020204030204" pitchFamily="34" charset="0"/>
+                <a:cs typeface="Times New Roman" panose="02020603050405020304" pitchFamily="18" charset="0"/>
+              </a:rPr>
+              <a:t> </a:t>
+            </a:r>
+            <a:r>
+              <a:rPr lang="en-IN" sz="2400" dirty="0">
+                <a:solidFill>
+                  <a:srgbClr val="0070C0"/>
+                </a:solidFill>
+                <a:effectLst/>
+                <a:latin typeface="Times New Roman" panose="02020603050405020304" pitchFamily="18" charset="0"/>
+                <a:ea typeface="Calibri" panose="020F0502020204030204" pitchFamily="34" charset="0"/>
+                <a:cs typeface="Times New Roman" panose="02020603050405020304" pitchFamily="18" charset="0"/>
+              </a:rPr>
+              <a:t>was nice too.</a:t>
+            </a:r>
+            <a:r>
               <a:rPr lang="en-IN" sz="1800" dirty="0">
                 <a:solidFill>
                   <a:srgbClr val="0070C0"/>
@@ -6289,42 +6355,7 @@
                 <a:ea typeface="Calibri" panose="020F0502020204030204" pitchFamily="34" charset="0"/>
                 <a:cs typeface="Times New Roman" panose="02020603050405020304" pitchFamily="18" charset="0"/>
               </a:rPr>
-              <a:t>The experience of working on </a:t>
-            </a:r>
-            <a:r>
-              <a:rPr lang="en-IN" sz="1800" dirty="0" err="1" smtClean="0">
-                <a:solidFill>
-                  <a:srgbClr val="0070C0"/>
-                </a:solidFill>
-                <a:latin typeface="Times New Roman" panose="02020603050405020304" pitchFamily="18" charset="0"/>
-                <a:ea typeface="Calibri" panose="020F0502020204030204" pitchFamily="34" charset="0"/>
-                <a:cs typeface="Times New Roman" panose="02020603050405020304" pitchFamily="18" charset="0"/>
-              </a:rPr>
-              <a:t>Udemy</a:t>
-            </a:r>
-            <a:r>
-              <a:rPr lang="en-IN" sz="1800" dirty="0" smtClean="0">
-                <a:solidFill>
-                  <a:srgbClr val="0070C0"/>
-                </a:solidFill>
-                <a:effectLst/>
-                <a:latin typeface="Times New Roman" panose="02020603050405020304" pitchFamily="18" charset="0"/>
-                <a:ea typeface="Calibri" panose="020F0502020204030204" pitchFamily="34" charset="0"/>
-                <a:cs typeface="Times New Roman" panose="02020603050405020304" pitchFamily="18" charset="0"/>
-              </a:rPr>
-              <a:t> </a:t>
-            </a:r>
-            <a:r>
-              <a:rPr lang="en-IN" sz="1800" dirty="0">
-                <a:solidFill>
-                  <a:srgbClr val="0070C0"/>
-                </a:solidFill>
-                <a:effectLst/>
-                <a:latin typeface="Times New Roman" panose="02020603050405020304" pitchFamily="18" charset="0"/>
-                <a:ea typeface="Calibri" panose="020F0502020204030204" pitchFamily="34" charset="0"/>
-                <a:cs typeface="Times New Roman" panose="02020603050405020304" pitchFamily="18" charset="0"/>
-              </a:rPr>
-              <a:t>was nice too.</a:t>
+              <a:t/>
             </a:r>
             <a:br>
               <a:rPr lang="en-IN" sz="1800" dirty="0">
@@ -6362,7 +6393,7 @@
     </p:spTree>
     <p:extLst>
       <p:ext uri="{BB962C8B-B14F-4D97-AF65-F5344CB8AC3E}">
-        <p14:creationId xmlns:p14="http://schemas.microsoft.com/office/powerpoint/2010/main" xmlns="" val="3493837355"/>
+        <p14:creationId xmlns="" xmlns:p14="http://schemas.microsoft.com/office/powerpoint/2010/main" val="3493837355"/>
       </p:ext>
     </p:extLst>
   </p:cSld>
@@ -6394,7 +6425,7 @@
           <p:cNvPr id="2" name="Title 1">
             <a:extLst>
               <a:ext uri="{FF2B5EF4-FFF2-40B4-BE49-F238E27FC236}">
-                <a16:creationId xmlns:a16="http://schemas.microsoft.com/office/drawing/2014/main" xmlns="" id="{D3FA1FA7-66C1-4D16-985A-380AE8ABE929}"/>
+                <a16:creationId xmlns="" xmlns:a16="http://schemas.microsoft.com/office/drawing/2014/main" id="{D3FA1FA7-66C1-4D16-985A-380AE8ABE929}"/>
               </a:ext>
             </a:extLst>
           </p:cNvPr>
@@ -6489,7 +6520,7 @@
           <p:cNvPr id="3" name="Content Placeholder 2">
             <a:extLst>
               <a:ext uri="{FF2B5EF4-FFF2-40B4-BE49-F238E27FC236}">
-                <a16:creationId xmlns:a16="http://schemas.microsoft.com/office/drawing/2014/main" xmlns="" id="{57653A35-6AAD-47E9-869D-3EFE73EB9B1C}"/>
+                <a16:creationId xmlns="" xmlns:a16="http://schemas.microsoft.com/office/drawing/2014/main" id="{57653A35-6AAD-47E9-869D-3EFE73EB9B1C}"/>
               </a:ext>
             </a:extLst>
           </p:cNvPr>
@@ -6763,7 +6794,7 @@
                 <a:hlinkClick r:id="rId3">
                   <a:extLst>
                     <a:ext uri="{A12FA001-AC4F-418D-AE19-62706E023703}">
-                      <ahyp:hlinkClr xmlns:ahyp="http://schemas.microsoft.com/office/drawing/2018/hyperlinkcolor" xmlns="" val="tx"/>
+                      <ahyp:hlinkClr xmlns="" xmlns:ahyp="http://schemas.microsoft.com/office/drawing/2018/hyperlinkcolor" val="tx"/>
                     </a:ext>
                   </a:extLst>
                 </a:hlinkClick>
@@ -6805,7 +6836,7 @@
                 <a:hlinkClick r:id="rId4">
                   <a:extLst>
                     <a:ext uri="{A12FA001-AC4F-418D-AE19-62706E023703}">
-                      <ahyp:hlinkClr xmlns:ahyp="http://schemas.microsoft.com/office/drawing/2018/hyperlinkcolor" xmlns="" val="tx"/>
+                      <ahyp:hlinkClr xmlns="" xmlns:ahyp="http://schemas.microsoft.com/office/drawing/2018/hyperlinkcolor" val="tx"/>
                     </a:ext>
                   </a:extLst>
                 </a:hlinkClick>
@@ -7355,7 +7386,7 @@
     </p:spTree>
     <p:extLst>
       <p:ext uri="{BB962C8B-B14F-4D97-AF65-F5344CB8AC3E}">
-        <p14:creationId xmlns:p14="http://schemas.microsoft.com/office/powerpoint/2010/main" xmlns="" val="3519437892"/>
+        <p14:creationId xmlns="" xmlns:p14="http://schemas.microsoft.com/office/powerpoint/2010/main" val="3519437892"/>
       </p:ext>
     </p:extLst>
   </p:cSld>
@@ -7387,7 +7418,7 @@
           <p:cNvPr id="2" name="Title 1">
             <a:extLst>
               <a:ext uri="{FF2B5EF4-FFF2-40B4-BE49-F238E27FC236}">
-                <a16:creationId xmlns:a16="http://schemas.microsoft.com/office/drawing/2014/main" xmlns="" id="{CF1C35B9-FDF8-47B5-A4D6-1A57C89DB3CF}"/>
+                <a16:creationId xmlns="" xmlns:a16="http://schemas.microsoft.com/office/drawing/2014/main" id="{CF1C35B9-FDF8-47B5-A4D6-1A57C89DB3CF}"/>
               </a:ext>
             </a:extLst>
           </p:cNvPr>
@@ -7421,7 +7452,7 @@
           <p:cNvPr id="4" name="Rectangle 3">
             <a:extLst>
               <a:ext uri="{FF2B5EF4-FFF2-40B4-BE49-F238E27FC236}">
-                <a16:creationId xmlns:a16="http://schemas.microsoft.com/office/drawing/2014/main" xmlns="" id="{E217AE0D-E6C3-4C84-8531-4D915808CE1A}"/>
+                <a16:creationId xmlns="" xmlns:a16="http://schemas.microsoft.com/office/drawing/2014/main" id="{E217AE0D-E6C3-4C84-8531-4D915808CE1A}"/>
               </a:ext>
             </a:extLst>
           </p:cNvPr>
@@ -7473,7 +7504,7 @@
     </p:spTree>
     <p:extLst>
       <p:ext uri="{BB962C8B-B14F-4D97-AF65-F5344CB8AC3E}">
-        <p14:creationId xmlns:p14="http://schemas.microsoft.com/office/powerpoint/2010/main" xmlns="" val="3738934087"/>
+        <p14:creationId xmlns="" xmlns:p14="http://schemas.microsoft.com/office/powerpoint/2010/main" val="3738934087"/>
       </p:ext>
     </p:extLst>
   </p:cSld>
@@ -7505,7 +7536,7 @@
           <p:cNvPr id="2" name="Title 1">
             <a:extLst>
               <a:ext uri="{FF2B5EF4-FFF2-40B4-BE49-F238E27FC236}">
-                <a16:creationId xmlns:a16="http://schemas.microsoft.com/office/drawing/2014/main" xmlns="" id="{A5821986-7CF1-4B85-884B-6BA1BEC4B1D0}"/>
+                <a16:creationId xmlns="" xmlns:a16="http://schemas.microsoft.com/office/drawing/2014/main" id="{A5821986-7CF1-4B85-884B-6BA1BEC4B1D0}"/>
               </a:ext>
             </a:extLst>
           </p:cNvPr>
@@ -7553,7 +7584,7 @@
           <p:cNvPr id="3" name="Content Placeholder 2">
             <a:extLst>
               <a:ext uri="{FF2B5EF4-FFF2-40B4-BE49-F238E27FC236}">
-                <a16:creationId xmlns:a16="http://schemas.microsoft.com/office/drawing/2014/main" xmlns="" id="{BADF9F3A-5F8E-4F6F-96FD-AFA42711F04A}"/>
+                <a16:creationId xmlns="" xmlns:a16="http://schemas.microsoft.com/office/drawing/2014/main" id="{BADF9F3A-5F8E-4F6F-96FD-AFA42711F04A}"/>
               </a:ext>
             </a:extLst>
           </p:cNvPr>
@@ -7571,7 +7602,9 @@
           </a:xfrm>
         </p:spPr>
         <p:txBody>
-          <a:bodyPr/>
+          <a:bodyPr>
+            <a:normAutofit lnSpcReduction="10000"/>
+          </a:bodyPr>
           <a:lstStyle/>
           <a:p>
             <a:pPr marL="0" indent="0">
@@ -7640,7 +7673,7 @@
               </a:spcAft>
             </a:pPr>
             <a:r>
-              <a:rPr lang="en-US" sz="1800" dirty="0" err="1" smtClean="0">
+              <a:rPr lang="en-US" sz="2000" dirty="0" err="1" smtClean="0">
                 <a:solidFill>
                   <a:srgbClr val="0070C0"/>
                 </a:solidFill>
@@ -7648,14 +7681,22 @@
               <a:t>Udemy</a:t>
             </a:r>
             <a:r>
-              <a:rPr lang="en-US" sz="1800" dirty="0" smtClean="0">
-                <a:solidFill>
-                  <a:srgbClr val="0070C0"/>
-                </a:solidFill>
-              </a:rPr>
-              <a:t>, Inc. is an American online learning platform aimed at professional adults and students.</a:t>
-            </a:r>
-            <a:endParaRPr lang="en-IN" sz="1800" dirty="0" smtClean="0">
+              <a:rPr lang="en-US" sz="2000" dirty="0" smtClean="0">
+                <a:solidFill>
+                  <a:srgbClr val="0070C0"/>
+                </a:solidFill>
+              </a:rPr>
+              <a:t>, Inc</a:t>
+            </a:r>
+            <a:r>
+              <a:rPr lang="en-US" sz="2000" dirty="0" smtClean="0">
+                <a:solidFill>
+                  <a:srgbClr val="0070C0"/>
+                </a:solidFill>
+              </a:rPr>
+              <a:t>. is an American online learning platform aimed at professional adults and students.</a:t>
+            </a:r>
+            <a:endParaRPr lang="en-IN" sz="2000" dirty="0" smtClean="0">
               <a:solidFill>
                 <a:srgbClr val="0070C0"/>
               </a:solidFill>
@@ -7675,7 +7716,7 @@
               </a:spcAft>
             </a:pPr>
             <a:r>
-              <a:rPr lang="en-IN" sz="1800" dirty="0" smtClean="0">
+              <a:rPr lang="en-IN" sz="2000" dirty="0" smtClean="0">
                 <a:solidFill>
                   <a:srgbClr val="0070C0"/>
                 </a:solidFill>
@@ -7685,7 +7726,7 @@
               <a:t>I</a:t>
             </a:r>
             <a:r>
-              <a:rPr lang="en-US" sz="1800" dirty="0" smtClean="0">
+              <a:rPr lang="en-US" sz="2000" dirty="0" smtClean="0">
                 <a:solidFill>
                   <a:srgbClr val="0070C0"/>
                 </a:solidFill>
@@ -7693,7 +7734,7 @@
               <a:t>t was founded in May 2010 by </a:t>
             </a:r>
             <a:r>
-              <a:rPr lang="en-US" sz="1800" dirty="0" err="1" smtClean="0">
+              <a:rPr lang="en-US" sz="2000" dirty="0" err="1" smtClean="0">
                 <a:solidFill>
                   <a:srgbClr val="0070C0"/>
                 </a:solidFill>
@@ -7701,7 +7742,7 @@
               <a:t>Eren</a:t>
             </a:r>
             <a:r>
-              <a:rPr lang="en-US" sz="1800" dirty="0" smtClean="0">
+              <a:rPr lang="en-US" sz="2000" dirty="0" smtClean="0">
                 <a:solidFill>
                   <a:srgbClr val="0070C0"/>
                 </a:solidFill>
@@ -7709,7 +7750,7 @@
               <a:t> Bali, </a:t>
             </a:r>
             <a:r>
-              <a:rPr lang="en-US" sz="1800" dirty="0" err="1" smtClean="0">
+              <a:rPr lang="en-US" sz="2000" dirty="0" err="1" smtClean="0">
                 <a:solidFill>
                   <a:srgbClr val="0070C0"/>
                 </a:solidFill>
@@ -7717,7 +7758,7 @@
               <a:t>Gagan</a:t>
             </a:r>
             <a:r>
-              <a:rPr lang="en-US" sz="1800" dirty="0" smtClean="0">
+              <a:rPr lang="en-US" sz="2000" dirty="0" smtClean="0">
                 <a:solidFill>
                   <a:srgbClr val="0070C0"/>
                 </a:solidFill>
@@ -7725,7 +7766,7 @@
               <a:t> </a:t>
             </a:r>
             <a:r>
-              <a:rPr lang="en-US" sz="1800" dirty="0" err="1" smtClean="0">
+              <a:rPr lang="en-US" sz="2000" dirty="0" err="1" smtClean="0">
                 <a:solidFill>
                   <a:srgbClr val="0070C0"/>
                 </a:solidFill>
@@ -7733,7 +7774,7 @@
               <a:t>Biyani</a:t>
             </a:r>
             <a:r>
-              <a:rPr lang="en-US" sz="1800" dirty="0" smtClean="0">
+              <a:rPr lang="en-US" sz="2000" dirty="0" smtClean="0">
                 <a:solidFill>
                   <a:srgbClr val="0070C0"/>
                 </a:solidFill>
@@ -7741,7 +7782,7 @@
               <a:t>, and </a:t>
             </a:r>
             <a:r>
-              <a:rPr lang="en-US" sz="1800" dirty="0" err="1" smtClean="0">
+              <a:rPr lang="en-US" sz="2000" dirty="0" err="1" smtClean="0">
                 <a:solidFill>
                   <a:srgbClr val="0070C0"/>
                 </a:solidFill>
@@ -7749,7 +7790,7 @@
               <a:t>Oktay</a:t>
             </a:r>
             <a:r>
-              <a:rPr lang="en-US" sz="1800" dirty="0" smtClean="0">
+              <a:rPr lang="en-US" sz="2000" dirty="0" smtClean="0">
                 <a:solidFill>
                   <a:srgbClr val="0070C0"/>
                 </a:solidFill>
@@ -7757,7 +7798,7 @@
               <a:t> </a:t>
             </a:r>
             <a:r>
-              <a:rPr lang="en-US" sz="1800" dirty="0" err="1" smtClean="0">
+              <a:rPr lang="en-US" sz="2000" dirty="0" err="1" smtClean="0">
                 <a:solidFill>
                   <a:srgbClr val="0070C0"/>
                 </a:solidFill>
@@ -7765,14 +7806,14 @@
               <a:t>Caglar</a:t>
             </a:r>
             <a:r>
-              <a:rPr lang="en-US" sz="1800" dirty="0" smtClean="0">
+              <a:rPr lang="en-US" sz="2000" dirty="0" smtClean="0">
                 <a:solidFill>
                   <a:srgbClr val="0070C0"/>
                 </a:solidFill>
               </a:rPr>
               <a:t>. </a:t>
             </a:r>
-            <a:endParaRPr lang="en-IN" sz="1800" dirty="0" smtClean="0">
+            <a:endParaRPr lang="en-IN" sz="2000" dirty="0" smtClean="0">
               <a:solidFill>
                 <a:srgbClr val="0070C0"/>
               </a:solidFill>
@@ -7792,14 +7833,14 @@
               </a:spcAft>
             </a:pPr>
             <a:r>
-              <a:rPr lang="en-US" sz="1800" dirty="0" smtClean="0">
+              <a:rPr lang="en-US" sz="2000" dirty="0" smtClean="0">
                 <a:solidFill>
                   <a:srgbClr val="0070C0"/>
                 </a:solidFill>
               </a:rPr>
               <a:t> As of Jan 2020, the platform has more than 50 million students and 57,000 instructors teaching courses in over 65 languages.</a:t>
             </a:r>
-            <a:endParaRPr lang="en-IN" sz="1800" dirty="0">
+            <a:endParaRPr lang="en-IN" sz="2000" dirty="0">
               <a:solidFill>
                 <a:srgbClr val="0070C0"/>
               </a:solidFill>
@@ -7817,7 +7858,7 @@
     </p:spTree>
     <p:extLst>
       <p:ext uri="{BB962C8B-B14F-4D97-AF65-F5344CB8AC3E}">
-        <p14:creationId xmlns:p14="http://schemas.microsoft.com/office/powerpoint/2010/main" xmlns="" val="755954718"/>
+        <p14:creationId xmlns="" xmlns:p14="http://schemas.microsoft.com/office/powerpoint/2010/main" val="755954718"/>
       </p:ext>
     </p:extLst>
   </p:cSld>
@@ -7849,7 +7890,7 @@
           <p:cNvPr id="2" name="Title 1">
             <a:extLst>
               <a:ext uri="{FF2B5EF4-FFF2-40B4-BE49-F238E27FC236}">
-                <a16:creationId xmlns:a16="http://schemas.microsoft.com/office/drawing/2014/main" xmlns="" id="{EC7C65D9-1289-4942-AFCF-24B6C7CD495F}"/>
+                <a16:creationId xmlns="" xmlns:a16="http://schemas.microsoft.com/office/drawing/2014/main" id="{EC7C65D9-1289-4942-AFCF-24B6C7CD495F}"/>
               </a:ext>
             </a:extLst>
           </p:cNvPr>
@@ -7863,33 +7904,33 @@
         <p:spPr/>
         <p:txBody>
           <a:bodyPr>
-            <a:normAutofit fontScale="90000"/>
+            <a:noAutofit/>
           </a:bodyPr>
           <a:lstStyle/>
           <a:p>
             <a:r>
-              <a:rPr lang="en-US" sz="1600" b="1" u="sng" dirty="0"/>
+              <a:rPr lang="en-US" sz="2800" b="1" u="sng" dirty="0"/>
               <a:t/>
             </a:r>
             <a:br>
-              <a:rPr lang="en-US" sz="1600" b="1" u="sng" dirty="0"/>
+              <a:rPr lang="en-US" sz="2800" b="1" u="sng" dirty="0"/>
             </a:br>
             <a:r>
-              <a:rPr lang="en-US" sz="1600" b="1" u="sng" dirty="0"/>
+              <a:rPr lang="en-US" sz="2800" b="1" u="sng" dirty="0"/>
               <a:t/>
             </a:r>
             <a:br>
-              <a:rPr lang="en-US" sz="1600" b="1" u="sng" dirty="0"/>
+              <a:rPr lang="en-US" sz="2800" b="1" u="sng" dirty="0"/>
             </a:br>
             <a:r>
-              <a:rPr lang="en-US" sz="1600" b="1" u="sng" dirty="0"/>
+              <a:rPr lang="en-US" sz="2800" b="1" u="sng" dirty="0"/>
               <a:t/>
             </a:r>
             <a:br>
-              <a:rPr lang="en-US" sz="1600" b="1" u="sng" dirty="0"/>
+              <a:rPr lang="en-US" sz="2800" b="1" u="sng" dirty="0"/>
             </a:br>
             <a:r>
-              <a:rPr lang="en-US" sz="1600" b="1" u="sng" dirty="0">
+              <a:rPr lang="en-US" sz="2800" b="1" u="sng" dirty="0">
                 <a:solidFill>
                   <a:srgbClr val="00B050"/>
                 </a:solidFill>
@@ -7897,14 +7938,14 @@
               <a:t/>
             </a:r>
             <a:br>
-              <a:rPr lang="en-US" sz="1600" b="1" u="sng" dirty="0">
+              <a:rPr lang="en-US" sz="2800" b="1" u="sng" dirty="0">
                 <a:solidFill>
                   <a:srgbClr val="00B050"/>
                 </a:solidFill>
               </a:rPr>
             </a:br>
             <a:r>
-              <a:rPr lang="en-US" sz="2200" b="1" u="sng" dirty="0">
+              <a:rPr lang="en-US" sz="2800" b="1" u="sng" dirty="0">
                 <a:solidFill>
                   <a:srgbClr val="00B050"/>
                 </a:solidFill>
@@ -7913,7 +7954,7 @@
               </a:rPr>
               <a:t>OBJECTIVE OF TRAINING:</a:t>
             </a:r>
-            <a:endParaRPr lang="en-IN" sz="2200" b="1" u="sng" dirty="0">
+            <a:endParaRPr lang="en-IN" sz="2800" b="1" u="sng" dirty="0">
               <a:solidFill>
                 <a:srgbClr val="00B050"/>
               </a:solidFill>
@@ -7928,7 +7969,7 @@
           <p:cNvPr id="3" name="Content Placeholder 2">
             <a:extLst>
               <a:ext uri="{FF2B5EF4-FFF2-40B4-BE49-F238E27FC236}">
-                <a16:creationId xmlns:a16="http://schemas.microsoft.com/office/drawing/2014/main" xmlns="" id="{A5791CE2-F7E9-45FA-A9E3-7B1757E44204}"/>
+                <a16:creationId xmlns="" xmlns:a16="http://schemas.microsoft.com/office/drawing/2014/main" id="{A5791CE2-F7E9-45FA-A9E3-7B1757E44204}"/>
               </a:ext>
             </a:extLst>
           </p:cNvPr>
@@ -7979,7 +8020,7 @@
               <a:buChar char="Ø"/>
             </a:pPr>
             <a:r>
-              <a:rPr lang="en-IN" sz="1800" dirty="0">
+              <a:rPr lang="en-IN" sz="2400" dirty="0">
                 <a:solidFill>
                   <a:srgbClr val="0070C0"/>
                 </a:solidFill>
@@ -7991,7 +8032,7 @@
               <a:t>The main reason for selecting this web development course was that it is able to describe the structure and functionality of all coding required for front-end </a:t>
             </a:r>
             <a:r>
-              <a:rPr lang="en-IN" sz="1800" dirty="0">
+              <a:rPr lang="en-IN" sz="2400" dirty="0">
                 <a:solidFill>
                   <a:srgbClr val="0070C0"/>
                 </a:solidFill>
@@ -8002,7 +8043,7 @@
               <a:t>and back-end</a:t>
             </a:r>
             <a:r>
-              <a:rPr lang="en-IN" sz="1800" dirty="0">
+              <a:rPr lang="en-IN" sz="2400" dirty="0">
                 <a:solidFill>
                   <a:srgbClr val="0070C0"/>
                 </a:solidFill>
@@ -8023,7 +8064,7 @@
               <a:buChar char="Ø"/>
             </a:pPr>
             <a:r>
-              <a:rPr lang="en-IN" sz="1800" dirty="0">
+              <a:rPr lang="en-IN" sz="2400" dirty="0">
                 <a:solidFill>
                   <a:srgbClr val="0070C0"/>
                 </a:solidFill>
@@ -8035,7 +8076,7 @@
               <a:t>Also, the web development f</a:t>
             </a:r>
             <a:r>
-              <a:rPr lang="en-IN" sz="1800" dirty="0">
+              <a:rPr lang="en-IN" sz="2400" dirty="0">
                 <a:solidFill>
                   <a:srgbClr val="0070C0"/>
                 </a:solidFill>
@@ -8055,7 +8096,7 @@
               <a:buChar char="Ø"/>
             </a:pPr>
             <a:r>
-              <a:rPr lang="en-IN" sz="1800" dirty="0">
+              <a:rPr lang="en-IN" sz="2400" dirty="0">
                 <a:solidFill>
                   <a:srgbClr val="0070C0"/>
                 </a:solidFill>
@@ -8080,7 +8121,7 @@
     </p:spTree>
     <p:extLst>
       <p:ext uri="{BB962C8B-B14F-4D97-AF65-F5344CB8AC3E}">
-        <p14:creationId xmlns:p14="http://schemas.microsoft.com/office/powerpoint/2010/main" xmlns="" val="2514080406"/>
+        <p14:creationId xmlns="" xmlns:p14="http://schemas.microsoft.com/office/powerpoint/2010/main" val="2514080406"/>
       </p:ext>
     </p:extLst>
   </p:cSld>
@@ -8112,7 +8153,7 @@
           <p:cNvPr id="2" name="Title 1">
             <a:extLst>
               <a:ext uri="{FF2B5EF4-FFF2-40B4-BE49-F238E27FC236}">
-                <a16:creationId xmlns:a16="http://schemas.microsoft.com/office/drawing/2014/main" xmlns="" id="{09D8787E-7C85-419B-8279-42DF1EF2FD7F}"/>
+                <a16:creationId xmlns="" xmlns:a16="http://schemas.microsoft.com/office/drawing/2014/main" id="{09D8787E-7C85-419B-8279-42DF1EF2FD7F}"/>
               </a:ext>
             </a:extLst>
           </p:cNvPr>
@@ -8155,16 +8196,13 @@
                 <a:cs typeface="Times New Roman" panose="02020603050405020304" pitchFamily="18" charset="0"/>
               </a:rPr>
             </a:br>
-            <a:r>
-              <a:rPr lang="en-IN" sz="1800" b="1" u="sng" dirty="0">
-                <a:solidFill>
-                  <a:srgbClr val="00B050"/>
-                </a:solidFill>
-                <a:latin typeface="Times New Roman" panose="02020603050405020304" pitchFamily="18" charset="0"/>
-                <a:cs typeface="Times New Roman" panose="02020603050405020304" pitchFamily="18" charset="0"/>
-              </a:rPr>
-              <a:t>TOOLS AND TECHNIQUES USED:</a:t>
-            </a:r>
+            <a:endParaRPr lang="en-IN" sz="1800" b="1" u="sng" dirty="0">
+              <a:solidFill>
+                <a:srgbClr val="00B050"/>
+              </a:solidFill>
+              <a:latin typeface="Times New Roman" panose="02020603050405020304" pitchFamily="18" charset="0"/>
+              <a:cs typeface="Times New Roman" panose="02020603050405020304" pitchFamily="18" charset="0"/>
+            </a:endParaRPr>
           </a:p>
         </p:txBody>
       </p:sp>
@@ -8173,7 +8211,7 @@
           <p:cNvPr id="4" name="Content Placeholder 3">
             <a:extLst>
               <a:ext uri="{FF2B5EF4-FFF2-40B4-BE49-F238E27FC236}">
-                <a16:creationId xmlns:a16="http://schemas.microsoft.com/office/drawing/2014/main" xmlns="" id="{251B7E45-E0D2-4986-A1F6-69C5E45B92A5}"/>
+                <a16:creationId xmlns="" xmlns:a16="http://schemas.microsoft.com/office/drawing/2014/main" id="{251B7E45-E0D2-4986-A1F6-69C5E45B92A5}"/>
               </a:ext>
             </a:extLst>
           </p:cNvPr>
@@ -8187,7 +8225,7 @@
         <p:spPr>
           <a:xfrm>
             <a:off x="1065213" y="592299"/>
-            <a:ext cx="4338674" cy="5139634"/>
+            <a:ext cx="4338674" cy="5825434"/>
           </a:xfrm>
         </p:spPr>
         <p:txBody>
@@ -8200,7 +8238,7 @@
               <a:buNone/>
             </a:pPr>
             <a:r>
-              <a:rPr lang="en-US" sz="1800" b="1" dirty="0">
+              <a:rPr lang="en-US" b="1" dirty="0">
                 <a:solidFill>
                   <a:srgbClr val="C00000"/>
                 </a:solidFill>
@@ -8214,7 +8252,7 @@
             <a:pPr marL="0" indent="0">
               <a:buNone/>
             </a:pPr>
-            <a:endParaRPr lang="en-US" sz="1800" b="1" dirty="0">
+            <a:endParaRPr lang="en-US" b="1" dirty="0">
               <a:latin typeface="Times New Roman" panose="02020603050405020304" pitchFamily="18" charset="0"/>
               <a:cs typeface="Times New Roman" panose="02020603050405020304" pitchFamily="18" charset="0"/>
             </a:endParaRPr>
@@ -8235,7 +8273,7 @@
               </a:tabLst>
             </a:pPr>
             <a:r>
-              <a:rPr lang="en-IN" sz="1800" b="1" dirty="0">
+              <a:rPr lang="en-IN" b="1" dirty="0">
                 <a:solidFill>
                   <a:srgbClr val="0070C0"/>
                 </a:solidFill>
@@ -8245,7 +8283,7 @@
               </a:rPr>
               <a:t>Front-End web development :</a:t>
             </a:r>
-            <a:endParaRPr lang="en-IN" sz="1800" dirty="0">
+            <a:endParaRPr lang="en-IN" dirty="0">
               <a:solidFill>
                 <a:srgbClr val="0070C0"/>
               </a:solidFill>
@@ -8268,7 +8306,7 @@
               <a:buChar char=""/>
             </a:pPr>
             <a:r>
-              <a:rPr lang="en-IN" sz="1800" dirty="0">
+              <a:rPr lang="en-IN" dirty="0">
                 <a:solidFill>
                   <a:srgbClr val="0070C0"/>
                 </a:solidFill>
@@ -8291,7 +8329,7 @@
               <a:buChar char=""/>
             </a:pPr>
             <a:r>
-              <a:rPr lang="en-IN" sz="1800" dirty="0">
+              <a:rPr lang="en-IN" dirty="0">
                 <a:solidFill>
                   <a:srgbClr val="0070C0"/>
                 </a:solidFill>
@@ -8314,7 +8352,7 @@
               <a:buChar char=""/>
             </a:pPr>
             <a:r>
-              <a:rPr lang="en-IN" sz="1800" dirty="0">
+              <a:rPr lang="en-IN" dirty="0">
                 <a:solidFill>
                   <a:srgbClr val="0070C0"/>
                 </a:solidFill>
@@ -8336,7 +8374,7 @@
               <a:buNone/>
             </a:pPr>
             <a:r>
-              <a:rPr lang="en-IN" sz="1800" b="1" dirty="0">
+              <a:rPr lang="en-IN" b="1" dirty="0">
                 <a:solidFill>
                   <a:srgbClr val="0070C0"/>
                 </a:solidFill>
@@ -8346,7 +8384,7 @@
               <a:t>Back-end web development </a:t>
             </a:r>
             <a:r>
-              <a:rPr lang="en-IN" sz="1800" b="1" dirty="0" smtClean="0">
+              <a:rPr lang="en-IN" b="1" dirty="0" smtClean="0">
                 <a:solidFill>
                   <a:srgbClr val="0070C0"/>
                 </a:solidFill>
@@ -8355,7 +8393,7 @@
               </a:rPr>
               <a:t>:</a:t>
             </a:r>
-            <a:endParaRPr lang="en-IN" sz="1800" dirty="0">
+            <a:endParaRPr lang="en-IN" dirty="0">
               <a:solidFill>
                 <a:srgbClr val="0070C0"/>
               </a:solidFill>
@@ -8374,7 +8412,7 @@
               <a:buSzPts val="1200"/>
             </a:pPr>
             <a:r>
-              <a:rPr lang="en-IN" sz="1800" dirty="0">
+              <a:rPr lang="en-IN" dirty="0">
                 <a:solidFill>
                   <a:srgbClr val="0070C0"/>
                 </a:solidFill>
@@ -8403,7 +8441,7 @@
           <p:cNvPr id="6" name="Content Placeholder 5">
             <a:extLst>
               <a:ext uri="{FF2B5EF4-FFF2-40B4-BE49-F238E27FC236}">
-                <a16:creationId xmlns:a16="http://schemas.microsoft.com/office/drawing/2014/main" xmlns="" id="{457C60A1-02FE-4E70-92F4-E5030528F0C4}"/>
+                <a16:creationId xmlns="" xmlns:a16="http://schemas.microsoft.com/office/drawing/2014/main" id="{457C60A1-02FE-4E70-92F4-E5030528F0C4}"/>
               </a:ext>
             </a:extLst>
           </p:cNvPr>
@@ -8417,7 +8455,7 @@
         <p:spPr>
           <a:xfrm>
             <a:off x="6683337" y="575365"/>
-            <a:ext cx="4338674" cy="5156568"/>
+            <a:ext cx="4338674" cy="5833902"/>
           </a:xfrm>
         </p:spPr>
         <p:txBody>
@@ -8430,7 +8468,7 @@
               <a:buNone/>
             </a:pPr>
             <a:r>
-              <a:rPr lang="en-US" sz="2000" b="1" dirty="0">
+              <a:rPr lang="en-US" b="1" dirty="0">
                 <a:solidFill>
                   <a:srgbClr val="C00000"/>
                 </a:solidFill>
@@ -8444,7 +8482,7 @@
             <a:pPr marL="0" indent="0">
               <a:buNone/>
             </a:pPr>
-            <a:endParaRPr lang="en-US" sz="1300" b="1" dirty="0">
+            <a:endParaRPr lang="en-US" b="1" dirty="0">
               <a:latin typeface="Times New Roman" panose="02020603050405020304" pitchFamily="18" charset="0"/>
               <a:cs typeface="Times New Roman" panose="02020603050405020304" pitchFamily="18" charset="0"/>
             </a:endParaRPr>
@@ -8468,7 +8506,7 @@
               </a:tabLst>
             </a:pPr>
             <a:r>
-              <a:rPr lang="en-IN" sz="2000" dirty="0">
+              <a:rPr lang="en-IN" dirty="0">
                 <a:solidFill>
                   <a:srgbClr val="0070C0"/>
                 </a:solidFill>
@@ -8477,29 +8515,10 @@
                 <a:ea typeface="Symbol" panose="05050102010706020507" pitchFamily="18" charset="2"/>
                 <a:cs typeface="Times New Roman" panose="02020603050405020304" pitchFamily="18" charset="0"/>
               </a:rPr>
-              <a:t>Windows 10</a:t>
-            </a:r>
-          </a:p>
-          <a:p>
-            <a:pPr>
-              <a:lnSpc>
-                <a:spcPct val="107000"/>
-              </a:lnSpc>
-              <a:spcBef>
-                <a:spcPts val="690"/>
-              </a:spcBef>
-              <a:spcAft>
-                <a:spcPts val="800"/>
-              </a:spcAft>
-              <a:buSzPts val="1200"/>
-              <a:buFont typeface="Symbol" panose="05050102010706020507" pitchFamily="18" charset="2"/>
-              <a:buChar char=""/>
-              <a:tabLst>
-                <a:tab pos="1219835" algn="l"/>
-              </a:tabLst>
-            </a:pPr>
-            <a:r>
-              <a:rPr lang="en-IN" sz="2000" dirty="0">
+              <a:t>Windows </a:t>
+            </a:r>
+            <a:r>
+              <a:rPr lang="en-IN" dirty="0" smtClean="0">
                 <a:solidFill>
                   <a:srgbClr val="0070C0"/>
                 </a:solidFill>
@@ -8508,21 +8527,9 @@
                 <a:ea typeface="Symbol" panose="05050102010706020507" pitchFamily="18" charset="2"/>
                 <a:cs typeface="Times New Roman" panose="02020603050405020304" pitchFamily="18" charset="0"/>
               </a:rPr>
-              <a:t>Apache Netbeans IDE </a:t>
-            </a:r>
-            <a:r>
-              <a:rPr lang="en-IN" sz="2000" dirty="0" smtClean="0">
-                <a:solidFill>
-                  <a:srgbClr val="0070C0"/>
-                </a:solidFill>
-                <a:effectLst/>
-                <a:latin typeface="Times New Roman" panose="02020603050405020304" pitchFamily="18" charset="0"/>
-                <a:ea typeface="Symbol" panose="05050102010706020507" pitchFamily="18" charset="2"/>
-                <a:cs typeface="Times New Roman" panose="02020603050405020304" pitchFamily="18" charset="0"/>
-              </a:rPr>
-              <a:t>11.3</a:t>
-            </a:r>
-            <a:endParaRPr lang="en-IN" sz="2000" dirty="0">
+              <a:t>10</a:t>
+            </a:r>
+            <a:endParaRPr lang="en-IN" dirty="0">
               <a:solidFill>
                 <a:srgbClr val="0070C0"/>
               </a:solidFill>
@@ -8551,7 +8558,7 @@
               </a:tabLst>
             </a:pPr>
             <a:r>
-              <a:rPr lang="en-IN" sz="2000" dirty="0">
+              <a:rPr lang="en-IN" dirty="0">
                 <a:solidFill>
                   <a:srgbClr val="0070C0"/>
                 </a:solidFill>
@@ -8574,7 +8581,7 @@
     </p:spTree>
     <p:extLst>
       <p:ext uri="{BB962C8B-B14F-4D97-AF65-F5344CB8AC3E}">
-        <p14:creationId xmlns:p14="http://schemas.microsoft.com/office/powerpoint/2010/main" xmlns="" val="1650285555"/>
+        <p14:creationId xmlns="" xmlns:p14="http://schemas.microsoft.com/office/powerpoint/2010/main" val="1650285555"/>
       </p:ext>
     </p:extLst>
   </p:cSld>
@@ -8606,7 +8613,7 @@
           <p:cNvPr id="3" name="Content Placeholder 2">
             <a:extLst>
               <a:ext uri="{FF2B5EF4-FFF2-40B4-BE49-F238E27FC236}">
-                <a16:creationId xmlns:a16="http://schemas.microsoft.com/office/drawing/2014/main" xmlns="" id="{1FA743F5-EC2B-4BBF-9E16-29B8DDC5952D}"/>
+                <a16:creationId xmlns="" xmlns:a16="http://schemas.microsoft.com/office/drawing/2014/main" id="{1FA743F5-EC2B-4BBF-9E16-29B8DDC5952D}"/>
               </a:ext>
             </a:extLst>
           </p:cNvPr>
@@ -8619,13 +8626,13 @@
         </p:nvSpPr>
         <p:spPr>
           <a:xfrm>
-            <a:off x="2140479" y="1"/>
-            <a:ext cx="8915400" cy="6858000"/>
+            <a:off x="2140479" y="745067"/>
+            <a:ext cx="8915400" cy="6112934"/>
           </a:xfrm>
         </p:spPr>
         <p:txBody>
           <a:bodyPr>
-            <a:normAutofit/>
+            <a:normAutofit lnSpcReduction="10000"/>
           </a:bodyPr>
           <a:lstStyle/>
           <a:p>
@@ -9147,10 +9154,103 @@
           </a:p>
         </p:txBody>
       </p:sp>
+      <p:sp>
+        <p:nvSpPr>
+          <p:cNvPr id="5" name="Title 1">
+            <a:extLst>
+              <a:ext uri="{FF2B5EF4-FFF2-40B4-BE49-F238E27FC236}">
+                <a16:creationId xmlns="" xmlns:a16="http://schemas.microsoft.com/office/drawing/2014/main" id="{09D8787E-7C85-419B-8279-42DF1EF2FD7F}"/>
+              </a:ext>
+            </a:extLst>
+          </p:cNvPr>
+          <p:cNvSpPr>
+            <a:spLocks noGrp="1"/>
+          </p:cNvSpPr>
+          <p:nvPr>
+            <p:ph type="title"/>
+          </p:nvPr>
+        </p:nvSpPr>
+        <p:spPr>
+          <a:xfrm flipV="1">
+            <a:off x="1363133" y="1075267"/>
+            <a:ext cx="45719" cy="45719"/>
+          </a:xfrm>
+        </p:spPr>
+        <p:txBody>
+          <a:bodyPr>
+            <a:normAutofit fontScale="90000"/>
+          </a:bodyPr>
+          <a:lstStyle/>
+          <a:p>
+            <a:r>
+              <a:rPr lang="en-US" dirty="0"/>
+              <a:t/>
+            </a:r>
+            <a:br>
+              <a:rPr lang="en-US" dirty="0"/>
+            </a:br>
+            <a:r>
+              <a:rPr lang="en-US" sz="1800" dirty="0">
+                <a:latin typeface="Times New Roman" panose="02020603050405020304" pitchFamily="18" charset="0"/>
+                <a:cs typeface="Times New Roman" panose="02020603050405020304" pitchFamily="18" charset="0"/>
+              </a:rPr>
+              <a:t/>
+            </a:r>
+            <a:br>
+              <a:rPr lang="en-US" sz="1800" dirty="0">
+                <a:latin typeface="Times New Roman" panose="02020603050405020304" pitchFamily="18" charset="0"/>
+                <a:cs typeface="Times New Roman" panose="02020603050405020304" pitchFamily="18" charset="0"/>
+              </a:rPr>
+            </a:br>
+            <a:endParaRPr lang="en-IN" sz="1800" b="1" u="sng" dirty="0">
+              <a:solidFill>
+                <a:srgbClr val="00B050"/>
+              </a:solidFill>
+              <a:latin typeface="Times New Roman" panose="02020603050405020304" pitchFamily="18" charset="0"/>
+              <a:cs typeface="Times New Roman" panose="02020603050405020304" pitchFamily="18" charset="0"/>
+            </a:endParaRPr>
+          </a:p>
+        </p:txBody>
+      </p:sp>
+      <p:sp>
+        <p:nvSpPr>
+          <p:cNvPr id="6" name="Rectangle 5"/>
+          <p:cNvSpPr/>
+          <p:nvPr/>
+        </p:nvSpPr>
+        <p:spPr>
+          <a:xfrm>
+            <a:off x="2201332" y="213267"/>
+            <a:ext cx="5799667" cy="461665"/>
+          </a:xfrm>
+          <a:prstGeom prst="rect">
+            <a:avLst/>
+          </a:prstGeom>
+        </p:spPr>
+        <p:txBody>
+          <a:bodyPr wrap="square">
+            <a:spAutoFit/>
+          </a:bodyPr>
+          <a:lstStyle/>
+          <a:p>
+            <a:r>
+              <a:rPr lang="en-IN" sz="2400" b="1" u="sng" dirty="0" smtClean="0">
+                <a:solidFill>
+                  <a:srgbClr val="00B050"/>
+                </a:solidFill>
+                <a:latin typeface="Times New Roman" panose="02020603050405020304" pitchFamily="18" charset="0"/>
+                <a:cs typeface="Times New Roman" panose="02020603050405020304" pitchFamily="18" charset="0"/>
+              </a:rPr>
+              <a:t>TOOLS AND TECHNOLOGIES USED:</a:t>
+            </a:r>
+            <a:endParaRPr lang="en-US" sz="2400" dirty="0"/>
+          </a:p>
+        </p:txBody>
+      </p:sp>
     </p:spTree>
     <p:extLst>
       <p:ext uri="{BB962C8B-B14F-4D97-AF65-F5344CB8AC3E}">
-        <p14:creationId xmlns:p14="http://schemas.microsoft.com/office/powerpoint/2010/main" xmlns="" val="2297373419"/>
+        <p14:creationId xmlns="" xmlns:p14="http://schemas.microsoft.com/office/powerpoint/2010/main" val="2297373419"/>
       </p:ext>
     </p:extLst>
   </p:cSld>
@@ -9182,7 +9282,7 @@
           <p:cNvPr id="2" name="Title 1">
             <a:extLst>
               <a:ext uri="{FF2B5EF4-FFF2-40B4-BE49-F238E27FC236}">
-                <a16:creationId xmlns:a16="http://schemas.microsoft.com/office/drawing/2014/main" xmlns="" id="{C59822E1-EE96-4EB3-B2FF-6A66302EA26B}"/>
+                <a16:creationId xmlns="" xmlns:a16="http://schemas.microsoft.com/office/drawing/2014/main" id="{C59822E1-EE96-4EB3-B2FF-6A66302EA26B}"/>
               </a:ext>
             </a:extLst>
           </p:cNvPr>
@@ -9245,7 +9345,7 @@
           <p:cNvPr id="3" name="Content Placeholder 2">
             <a:extLst>
               <a:ext uri="{FF2B5EF4-FFF2-40B4-BE49-F238E27FC236}">
-                <a16:creationId xmlns:a16="http://schemas.microsoft.com/office/drawing/2014/main" xmlns="" id="{32F7148C-FF71-4826-AF62-B6AB55756D08}"/>
+                <a16:creationId xmlns="" xmlns:a16="http://schemas.microsoft.com/office/drawing/2014/main" id="{32F7148C-FF71-4826-AF62-B6AB55756D08}"/>
               </a:ext>
             </a:extLst>
           </p:cNvPr>
@@ -9353,7 +9453,7 @@
     </p:spTree>
     <p:extLst>
       <p:ext uri="{BB962C8B-B14F-4D97-AF65-F5344CB8AC3E}">
-        <p14:creationId xmlns:p14="http://schemas.microsoft.com/office/powerpoint/2010/main" xmlns="" val="1844287341"/>
+        <p14:creationId xmlns="" xmlns:p14="http://schemas.microsoft.com/office/powerpoint/2010/main" val="1844287341"/>
       </p:ext>
     </p:extLst>
   </p:cSld>
@@ -9385,7 +9485,7 @@
           <p:cNvPr id="2" name="Title 1">
             <a:extLst>
               <a:ext uri="{FF2B5EF4-FFF2-40B4-BE49-F238E27FC236}">
-                <a16:creationId xmlns:a16="http://schemas.microsoft.com/office/drawing/2014/main" xmlns="" id="{714FABA5-FD20-4F23-B239-3C6A76A02713}"/>
+                <a16:creationId xmlns="" xmlns:a16="http://schemas.microsoft.com/office/drawing/2014/main" id="{714FABA5-FD20-4F23-B239-3C6A76A02713}"/>
               </a:ext>
             </a:extLst>
           </p:cNvPr>
@@ -9476,7 +9576,7 @@
           <p:cNvPr id="3" name="Content Placeholder 2">
             <a:extLst>
               <a:ext uri="{FF2B5EF4-FFF2-40B4-BE49-F238E27FC236}">
-                <a16:creationId xmlns:a16="http://schemas.microsoft.com/office/drawing/2014/main" xmlns="" id="{089E4A94-E11E-404B-BD38-6C8F8E763A0B}"/>
+                <a16:creationId xmlns="" xmlns:a16="http://schemas.microsoft.com/office/drawing/2014/main" id="{089E4A94-E11E-404B-BD38-6C8F8E763A0B}"/>
               </a:ext>
             </a:extLst>
           </p:cNvPr>
@@ -9711,7 +9811,7 @@
     </p:spTree>
     <p:extLst>
       <p:ext uri="{BB962C8B-B14F-4D97-AF65-F5344CB8AC3E}">
-        <p14:creationId xmlns:p14="http://schemas.microsoft.com/office/powerpoint/2010/main" xmlns="" val="1911513782"/>
+        <p14:creationId xmlns="" xmlns:p14="http://schemas.microsoft.com/office/powerpoint/2010/main" val="1911513782"/>
       </p:ext>
     </p:extLst>
   </p:cSld>
@@ -9743,7 +9843,7 @@
           <p:cNvPr id="2" name="Title 1">
             <a:extLst>
               <a:ext uri="{FF2B5EF4-FFF2-40B4-BE49-F238E27FC236}">
-                <a16:creationId xmlns:a16="http://schemas.microsoft.com/office/drawing/2014/main" xmlns="" id="{B0D2E94D-F7D7-444D-860C-4ED5FA5A53F3}"/>
+                <a16:creationId xmlns="" xmlns:a16="http://schemas.microsoft.com/office/drawing/2014/main" id="{B0D2E94D-F7D7-444D-860C-4ED5FA5A53F3}"/>
               </a:ext>
             </a:extLst>
           </p:cNvPr>
@@ -9813,7 +9913,7 @@
     </p:spTree>
     <p:extLst>
       <p:ext uri="{BB962C8B-B14F-4D97-AF65-F5344CB8AC3E}">
-        <p14:creationId xmlns:p14="http://schemas.microsoft.com/office/powerpoint/2010/main" xmlns="" val="3066955677"/>
+        <p14:creationId xmlns="" xmlns:p14="http://schemas.microsoft.com/office/powerpoint/2010/main" val="3066955677"/>
       </p:ext>
     </p:extLst>
   </p:cSld>
@@ -9845,7 +9945,7 @@
           <p:cNvPr id="2" name="Title 1">
             <a:extLst>
               <a:ext uri="{FF2B5EF4-FFF2-40B4-BE49-F238E27FC236}">
-                <a16:creationId xmlns:a16="http://schemas.microsoft.com/office/drawing/2014/main" xmlns="" id="{8E55562A-925D-46F3-BF93-6DAB98CD24A8}"/>
+                <a16:creationId xmlns="" xmlns:a16="http://schemas.microsoft.com/office/drawing/2014/main" id="{8E55562A-925D-46F3-BF93-6DAB98CD24A8}"/>
               </a:ext>
             </a:extLst>
           </p:cNvPr>
@@ -9931,7 +10031,7 @@
     </p:spTree>
     <p:extLst>
       <p:ext uri="{BB962C8B-B14F-4D97-AF65-F5344CB8AC3E}">
-        <p14:creationId xmlns:p14="http://schemas.microsoft.com/office/powerpoint/2010/main" xmlns="" val="336340831"/>
+        <p14:creationId xmlns="" xmlns:p14="http://schemas.microsoft.com/office/powerpoint/2010/main" val="336340831"/>
       </p:ext>
     </p:extLst>
   </p:cSld>
